--- a/assets/media/figure.pptx
+++ b/assets/media/figure.pptx
@@ -262,7 +262,7 @@
           <a:p>
             <a:fld id="{CD441921-D71F-224B-98D5-E1CEFB09CBFA}" type="datetimeFigureOut">
               <a:rPr kumimoji="1" lang="ja-JP" altLang="en-US" smtClean="0"/>
-              <a:t>2023/12/26</a:t>
+              <a:t>2024/3/4</a:t>
             </a:fld>
             <a:endParaRPr kumimoji="1" lang="ja-JP" altLang="en-US"/>
           </a:p>
@@ -492,7 +492,7 @@
           <a:p>
             <a:fld id="{CD441921-D71F-224B-98D5-E1CEFB09CBFA}" type="datetimeFigureOut">
               <a:rPr kumimoji="1" lang="ja-JP" altLang="en-US" smtClean="0"/>
-              <a:t>2023/12/26</a:t>
+              <a:t>2024/3/4</a:t>
             </a:fld>
             <a:endParaRPr kumimoji="1" lang="ja-JP" altLang="en-US"/>
           </a:p>
@@ -732,7 +732,7 @@
           <a:p>
             <a:fld id="{CD441921-D71F-224B-98D5-E1CEFB09CBFA}" type="datetimeFigureOut">
               <a:rPr kumimoji="1" lang="ja-JP" altLang="en-US" smtClean="0"/>
-              <a:t>2023/12/26</a:t>
+              <a:t>2024/3/4</a:t>
             </a:fld>
             <a:endParaRPr kumimoji="1" lang="ja-JP" altLang="en-US"/>
           </a:p>
@@ -962,7 +962,7 @@
           <a:p>
             <a:fld id="{CD441921-D71F-224B-98D5-E1CEFB09CBFA}" type="datetimeFigureOut">
               <a:rPr kumimoji="1" lang="ja-JP" altLang="en-US" smtClean="0"/>
-              <a:t>2023/12/26</a:t>
+              <a:t>2024/3/4</a:t>
             </a:fld>
             <a:endParaRPr kumimoji="1" lang="ja-JP" altLang="en-US"/>
           </a:p>
@@ -1237,7 +1237,7 @@
           <a:p>
             <a:fld id="{CD441921-D71F-224B-98D5-E1CEFB09CBFA}" type="datetimeFigureOut">
               <a:rPr kumimoji="1" lang="ja-JP" altLang="en-US" smtClean="0"/>
-              <a:t>2023/12/26</a:t>
+              <a:t>2024/3/4</a:t>
             </a:fld>
             <a:endParaRPr kumimoji="1" lang="ja-JP" altLang="en-US"/>
           </a:p>
@@ -1566,7 +1566,7 @@
           <a:p>
             <a:fld id="{CD441921-D71F-224B-98D5-E1CEFB09CBFA}" type="datetimeFigureOut">
               <a:rPr kumimoji="1" lang="ja-JP" altLang="en-US" smtClean="0"/>
-              <a:t>2023/12/26</a:t>
+              <a:t>2024/3/4</a:t>
             </a:fld>
             <a:endParaRPr kumimoji="1" lang="ja-JP" altLang="en-US"/>
           </a:p>
@@ -2042,7 +2042,7 @@
           <a:p>
             <a:fld id="{CD441921-D71F-224B-98D5-E1CEFB09CBFA}" type="datetimeFigureOut">
               <a:rPr kumimoji="1" lang="ja-JP" altLang="en-US" smtClean="0"/>
-              <a:t>2023/12/26</a:t>
+              <a:t>2024/3/4</a:t>
             </a:fld>
             <a:endParaRPr kumimoji="1" lang="ja-JP" altLang="en-US"/>
           </a:p>
@@ -2183,7 +2183,7 @@
           <a:p>
             <a:fld id="{CD441921-D71F-224B-98D5-E1CEFB09CBFA}" type="datetimeFigureOut">
               <a:rPr kumimoji="1" lang="ja-JP" altLang="en-US" smtClean="0"/>
-              <a:t>2023/12/26</a:t>
+              <a:t>2024/3/4</a:t>
             </a:fld>
             <a:endParaRPr kumimoji="1" lang="ja-JP" altLang="en-US"/>
           </a:p>
@@ -2296,7 +2296,7 @@
           <a:p>
             <a:fld id="{CD441921-D71F-224B-98D5-E1CEFB09CBFA}" type="datetimeFigureOut">
               <a:rPr kumimoji="1" lang="ja-JP" altLang="en-US" smtClean="0"/>
-              <a:t>2023/12/26</a:t>
+              <a:t>2024/3/4</a:t>
             </a:fld>
             <a:endParaRPr kumimoji="1" lang="ja-JP" altLang="en-US"/>
           </a:p>
@@ -2639,7 +2639,7 @@
           <a:p>
             <a:fld id="{CD441921-D71F-224B-98D5-E1CEFB09CBFA}" type="datetimeFigureOut">
               <a:rPr kumimoji="1" lang="ja-JP" altLang="en-US" smtClean="0"/>
-              <a:t>2023/12/26</a:t>
+              <a:t>2024/3/4</a:t>
             </a:fld>
             <a:endParaRPr kumimoji="1" lang="ja-JP" altLang="en-US"/>
           </a:p>
@@ -2927,7 +2927,7 @@
           <a:p>
             <a:fld id="{CD441921-D71F-224B-98D5-E1CEFB09CBFA}" type="datetimeFigureOut">
               <a:rPr kumimoji="1" lang="ja-JP" altLang="en-US" smtClean="0"/>
-              <a:t>2023/12/26</a:t>
+              <a:t>2024/3/4</a:t>
             </a:fld>
             <a:endParaRPr kumimoji="1" lang="ja-JP" altLang="en-US"/>
           </a:p>
@@ -3200,7 +3200,7 @@
           <a:p>
             <a:fld id="{CD441921-D71F-224B-98D5-E1CEFB09CBFA}" type="datetimeFigureOut">
               <a:rPr kumimoji="1" lang="ja-JP" altLang="en-US" smtClean="0"/>
-              <a:t>2023/12/26</a:t>
+              <a:t>2024/3/4</a:t>
             </a:fld>
             <a:endParaRPr kumimoji="1" lang="ja-JP" altLang="en-US"/>
           </a:p>
@@ -3631,7 +3631,7 @@
         </p:nvSpPr>
         <p:spPr>
           <a:xfrm>
-            <a:off x="8671122" y="2319278"/>
+            <a:off x="8671122" y="2216768"/>
             <a:ext cx="2495978" cy="2040286"/>
           </a:xfrm>
           <a:prstGeom prst="rect">
@@ -4442,7 +4442,12 @@
             <p:ph type="title"/>
           </p:nvPr>
         </p:nvSpPr>
-        <p:spPr/>
+        <p:spPr>
+          <a:xfrm>
+            <a:off x="838200" y="61695"/>
+            <a:ext cx="10515600" cy="1325563"/>
+          </a:xfrm>
+        </p:spPr>
         <p:txBody>
           <a:bodyPr>
             <a:normAutofit/>
@@ -4469,13 +4474,6 @@
                 <a:ea typeface="UD Digi Kyokasho NK-B" panose="02020700000000000000" pitchFamily="18" charset="-128"/>
               </a:rPr>
               <a:t>隔離実行</a:t>
-            </a:r>
-            <a:r>
-              <a:rPr kumimoji="1" lang="ja-JP" altLang="en-US" sz="3600">
-                <a:latin typeface="UD Digi Kyokasho NK-B" panose="02020700000000000000" pitchFamily="18" charset="-128"/>
-                <a:ea typeface="UD Digi Kyokasho NK-B" panose="02020700000000000000" pitchFamily="18" charset="-128"/>
-              </a:rPr>
-              <a:t>オペレーティングシステム</a:t>
             </a:r>
             <a:endParaRPr lang="ja-JP" altLang="en-US" sz="3600">
               <a:latin typeface="UD Digi Kyokasho NK-B" panose="02020700000000000000" pitchFamily="18" charset="-128"/>
@@ -4610,8 +4608,8 @@
         </p:nvSpPr>
         <p:spPr>
           <a:xfrm>
-            <a:off x="1019974" y="1266780"/>
-            <a:ext cx="10147126" cy="369332"/>
+            <a:off x="1019974" y="963350"/>
+            <a:ext cx="10147126" cy="646331"/>
           </a:xfrm>
           <a:prstGeom prst="rect">
             <a:avLst/>
@@ -4652,19 +4650,15 @@
               </a:rPr>
               <a:t>Isolated Execution</a:t>
             </a:r>
-            <a:r>
-              <a:rPr kumimoji="1" lang="en-US" altLang="ja-JP" dirty="0">
-                <a:latin typeface="UD Digi Kyokasho NK-B" panose="02020700000000000000" pitchFamily="18" charset="-128"/>
-                <a:ea typeface="UD Digi Kyokasho NK-B" panose="02020700000000000000" pitchFamily="18" charset="-128"/>
-              </a:rPr>
-              <a:t> </a:t>
-            </a:r>
+          </a:p>
+          <a:p>
+            <a:pPr algn="ctr"/>
             <a:r>
               <a:rPr lang="en-US" altLang="ja-JP" dirty="0">
                 <a:latin typeface="UD Digi Kyokasho NK-B" panose="02020700000000000000" pitchFamily="18" charset="-128"/>
                 <a:ea typeface="UD Digi Kyokasho NK-B" panose="02020700000000000000" pitchFamily="18" charset="-128"/>
               </a:rPr>
-              <a:t>Operating System</a:t>
+              <a:t>(FRIE)</a:t>
             </a:r>
             <a:endParaRPr kumimoji="1" lang="ja-JP" altLang="en-US">
               <a:latin typeface="UD Digi Kyokasho NK-B" panose="02020700000000000000" pitchFamily="18" charset="-128"/>
@@ -6625,31 +6619,7 @@
                 <a:latin typeface="UD Digi Kyokasho NK-B" panose="02020700000000000000" pitchFamily="18" charset="-128"/>
                 <a:ea typeface="UD Digi Kyokasho NK-B" panose="02020700000000000000" pitchFamily="18" charset="-128"/>
               </a:rPr>
-              <a:t>オペレーティングシステム（</a:t>
-            </a:r>
-            <a:r>
-              <a:rPr lang="en-US" altLang="ja-JP" dirty="0">
-                <a:latin typeface="UD Digi Kyokasho NK-B" panose="02020700000000000000" pitchFamily="18" charset="-128"/>
-                <a:ea typeface="UD Digi Kyokasho NK-B" panose="02020700000000000000" pitchFamily="18" charset="-128"/>
-              </a:rPr>
-              <a:t>OS</a:t>
-            </a:r>
-            <a:r>
-              <a:rPr lang="ja-JP" altLang="en-US">
-                <a:latin typeface="UD Digi Kyokasho NK-B" panose="02020700000000000000" pitchFamily="18" charset="-128"/>
-                <a:ea typeface="UD Digi Kyokasho NK-B" panose="02020700000000000000" pitchFamily="18" charset="-128"/>
-              </a:rPr>
-              <a:t>）</a:t>
-            </a:r>
-          </a:p>
-          <a:p>
-            <a:pPr algn="ctr"/>
-            <a:r>
-              <a:rPr lang="ja-JP" altLang="en-US" sz="1600">
-                <a:latin typeface="UD Digi Kyokasho NK-B" panose="02020700000000000000" pitchFamily="18" charset="-128"/>
-                <a:ea typeface="UD Digi Kyokasho NK-B" panose="02020700000000000000" pitchFamily="18" charset="-128"/>
-              </a:rPr>
-              <a:t>（基盤システムソフトウェア）</a:t>
+              <a:t>システムソフトウェア</a:t>
             </a:r>
             <a:endParaRPr kumimoji="1" lang="ja-JP" altLang="en-US" sz="1600">
               <a:latin typeface="UD Digi Kyokasho NK-B" panose="02020700000000000000" pitchFamily="18" charset="-128"/>
@@ -6672,7 +6642,7 @@
         </p:nvSpPr>
         <p:spPr>
           <a:xfrm>
-            <a:off x="8825255" y="2717862"/>
+            <a:off x="8825255" y="2615352"/>
             <a:ext cx="1060931" cy="907405"/>
           </a:xfrm>
           <a:prstGeom prst="roundRect">
@@ -6759,7 +6729,7 @@
         </p:nvSpPr>
         <p:spPr>
           <a:xfrm>
-            <a:off x="9395860" y="3165223"/>
+            <a:off x="9395860" y="3062713"/>
             <a:ext cx="390098" cy="337229"/>
           </a:xfrm>
           <a:prstGeom prst="foldedCorner">
@@ -6895,7 +6865,7 @@
         </p:nvGrpSpPr>
         <p:grpSpPr>
           <a:xfrm>
-            <a:off x="8939645" y="3169077"/>
+            <a:off x="8939645" y="3066567"/>
             <a:ext cx="382476" cy="332379"/>
             <a:chOff x="9601199" y="962026"/>
             <a:chExt cx="1057275" cy="958722"/>
@@ -7285,7 +7255,7 @@
         </p:nvCxnSpPr>
         <p:spPr>
           <a:xfrm flipV="1">
-            <a:off x="9322121" y="3333838"/>
+            <a:off x="9322121" y="3231328"/>
             <a:ext cx="73739" cy="1429"/>
           </a:xfrm>
           <a:prstGeom prst="line">
@@ -7326,8 +7296,8 @@
         </p:nvSpPr>
         <p:spPr>
           <a:xfrm>
-            <a:off x="9808442" y="4247585"/>
-            <a:ext cx="239355" cy="1290968"/>
+            <a:off x="9808442" y="4143528"/>
+            <a:ext cx="239355" cy="1395025"/>
           </a:xfrm>
           <a:prstGeom prst="downArrow">
             <a:avLst/>
@@ -7380,7 +7350,7 @@
         </p:nvSpPr>
         <p:spPr>
           <a:xfrm>
-            <a:off x="8825255" y="3716724"/>
+            <a:off x="8825255" y="3614214"/>
             <a:ext cx="2187712" cy="532647"/>
           </a:xfrm>
           <a:prstGeom prst="roundRect">
@@ -7418,7 +7388,7 @@
           <a:lstStyle/>
           <a:p>
             <a:r>
-              <a:rPr kumimoji="1" lang="ja-JP" altLang="en-US" sz="1050">
+              <a:rPr lang="ja-JP" altLang="en-US" sz="1050">
                 <a:solidFill>
                   <a:schemeClr val="tx1"/>
                 </a:solidFill>
@@ -7513,7 +7483,7 @@
         </p:nvSpPr>
         <p:spPr>
           <a:xfrm>
-            <a:off x="9959925" y="2722005"/>
+            <a:off x="9959925" y="2619495"/>
             <a:ext cx="1060931" cy="907405"/>
           </a:xfrm>
           <a:prstGeom prst="roundRect">
@@ -7554,7 +7524,7 @@
           <a:p>
             <a:pPr algn="ctr"/>
             <a:r>
-              <a:rPr kumimoji="1" lang="ja-JP" altLang="en-US" sz="1050">
+              <a:rPr lang="ja-JP" altLang="en-US" sz="1050">
                 <a:solidFill>
                   <a:schemeClr val="tx1"/>
                 </a:solidFill>
@@ -7563,7 +7533,7 @@
               </a:rPr>
               <a:t>モデル支援</a:t>
             </a:r>
-            <a:endParaRPr kumimoji="1" lang="en-US" altLang="ja-JP" sz="1050" dirty="0">
+            <a:endParaRPr lang="en-US" altLang="ja-JP" sz="1050" dirty="0">
               <a:solidFill>
                 <a:schemeClr val="tx1"/>
               </a:solidFill>
@@ -7607,7 +7577,7 @@
         </p:nvGrpSpPr>
         <p:grpSpPr>
           <a:xfrm>
-            <a:off x="10014054" y="3237722"/>
+            <a:off x="10014054" y="3135212"/>
             <a:ext cx="211756" cy="228865"/>
             <a:chOff x="12382901" y="2317323"/>
             <a:chExt cx="425116" cy="447816"/>
@@ -7723,7 +7693,7 @@
         </p:blipFill>
         <p:spPr>
           <a:xfrm>
-            <a:off x="10319662" y="3181443"/>
+            <a:off x="10319662" y="3078933"/>
             <a:ext cx="341422" cy="341422"/>
           </a:xfrm>
           <a:prstGeom prst="rect">
@@ -7759,7 +7729,7 @@
         </p:blipFill>
         <p:spPr>
           <a:xfrm>
-            <a:off x="10812498" y="3125795"/>
+            <a:off x="10812498" y="3023285"/>
             <a:ext cx="171989" cy="171989"/>
           </a:xfrm>
           <a:prstGeom prst="rect">
@@ -7795,7 +7765,7 @@
         </p:blipFill>
         <p:spPr>
           <a:xfrm>
-            <a:off x="10812499" y="3404097"/>
+            <a:off x="10812499" y="3301587"/>
             <a:ext cx="159607" cy="159607"/>
           </a:xfrm>
           <a:prstGeom prst="rect">
@@ -7820,7 +7790,7 @@
         </p:nvCxnSpPr>
         <p:spPr>
           <a:xfrm flipV="1">
-            <a:off x="10225810" y="3352154"/>
+            <a:off x="10225810" y="3249644"/>
             <a:ext cx="93852" cy="1"/>
           </a:xfrm>
           <a:prstGeom prst="straightConnector1">
@@ -7866,7 +7836,7 @@
         </p:nvCxnSpPr>
         <p:spPr>
           <a:xfrm>
-            <a:off x="10661084" y="3352154"/>
+            <a:off x="10661084" y="3249644"/>
             <a:ext cx="151415" cy="131747"/>
           </a:xfrm>
           <a:prstGeom prst="bentConnector3">
@@ -7912,7 +7882,7 @@
         </p:nvCxnSpPr>
         <p:spPr>
           <a:xfrm flipV="1">
-            <a:off x="10661084" y="3211790"/>
+            <a:off x="10661084" y="3109280"/>
             <a:ext cx="151414" cy="140364"/>
           </a:xfrm>
           <a:prstGeom prst="bentConnector3">
@@ -7960,7 +7930,7 @@
         </p:nvCxnSpPr>
         <p:spPr>
           <a:xfrm rot="16200000" flipH="1" flipV="1">
-            <a:off x="10453249" y="2792477"/>
+            <a:off x="10453249" y="2689967"/>
             <a:ext cx="111927" cy="778561"/>
           </a:xfrm>
           <a:prstGeom prst="bentConnector3">
@@ -8008,7 +7978,7 @@
         </p:nvCxnSpPr>
         <p:spPr>
           <a:xfrm rot="5400000" flipH="1" flipV="1">
-            <a:off x="9607972" y="2989497"/>
+            <a:off x="9607972" y="2886987"/>
             <a:ext cx="34869" cy="989049"/>
           </a:xfrm>
           <a:prstGeom prst="bentConnector3">
@@ -8052,7 +8022,7 @@
         </p:nvSpPr>
         <p:spPr>
           <a:xfrm>
-            <a:off x="10184570" y="3771399"/>
+            <a:off x="10184570" y="3668889"/>
             <a:ext cx="521544" cy="421377"/>
           </a:xfrm>
           <a:prstGeom prst="foldedCorner">
@@ -9050,14 +9020,20 @@
                 <a:latin typeface="UD Digi Kyokasho NK-B" panose="02020700000000000000" pitchFamily="18" charset="-128"/>
                 <a:ea typeface="UD Digi Kyokasho NK-B" panose="02020700000000000000" pitchFamily="18" charset="-128"/>
               </a:rPr>
-              <a:t>Isolated Execution </a:t>
-            </a:r>
-            <a:r>
-              <a:rPr kumimoji="1" lang="en" altLang="ja-JP" sz="2400" dirty="0">
+              <a:t>Isolated Execution</a:t>
+            </a:r>
+            <a:br>
+              <a:rPr lang="en" altLang="ja-JP" sz="2400" dirty="0">
                 <a:latin typeface="UD Digi Kyokasho NK-B" panose="02020700000000000000" pitchFamily="18" charset="-128"/>
                 <a:ea typeface="UD Digi Kyokasho NK-B" panose="02020700000000000000" pitchFamily="18" charset="-128"/>
               </a:rPr>
-              <a:t>Operating System</a:t>
+            </a:br>
+            <a:r>
+              <a:rPr lang="en" altLang="ja-JP" sz="2400" dirty="0">
+                <a:latin typeface="UD Digi Kyokasho NK-B" panose="02020700000000000000" pitchFamily="18" charset="-128"/>
+                <a:ea typeface="UD Digi Kyokasho NK-B" panose="02020700000000000000" pitchFamily="18" charset="-128"/>
+              </a:rPr>
+              <a:t>(FRIE)</a:t>
             </a:r>
             <a:endParaRPr lang="ja-JP" altLang="en-US" sz="2400">
               <a:latin typeface="UD Digi Kyokasho NK-B" panose="02020700000000000000" pitchFamily="18" charset="-128"/>
@@ -11108,54 +11084,9 @@
                 <a:latin typeface="UD Digi Kyokasho NK-B" panose="02020700000000000000" pitchFamily="18" charset="-128"/>
                 <a:ea typeface="UD Digi Kyokasho NK-B" panose="02020700000000000000" pitchFamily="18" charset="-128"/>
               </a:rPr>
-              <a:t>Operating System</a:t>
-            </a:r>
-            <a:r>
-              <a:rPr lang="ja-JP" altLang="en-US">
-                <a:latin typeface="UD Digi Kyokasho NK-B" panose="02020700000000000000" pitchFamily="18" charset="-128"/>
-                <a:ea typeface="UD Digi Kyokasho NK-B" panose="02020700000000000000" pitchFamily="18" charset="-128"/>
-              </a:rPr>
-              <a:t>（</a:t>
-            </a:r>
-            <a:r>
-              <a:rPr lang="en-US" altLang="ja-JP" dirty="0">
-                <a:latin typeface="UD Digi Kyokasho NK-B" panose="02020700000000000000" pitchFamily="18" charset="-128"/>
-                <a:ea typeface="UD Digi Kyokasho NK-B" panose="02020700000000000000" pitchFamily="18" charset="-128"/>
-              </a:rPr>
-              <a:t>OS</a:t>
-            </a:r>
-            <a:r>
-              <a:rPr lang="ja-JP" altLang="en-US">
-                <a:latin typeface="UD Digi Kyokasho NK-B" panose="02020700000000000000" pitchFamily="18" charset="-128"/>
-                <a:ea typeface="UD Digi Kyokasho NK-B" panose="02020700000000000000" pitchFamily="18" charset="-128"/>
-              </a:rPr>
-              <a:t>）</a:t>
-            </a:r>
-          </a:p>
-          <a:p>
-            <a:pPr algn="ctr"/>
-            <a:r>
-              <a:rPr lang="ja-JP" altLang="en-US" sz="1600">
-                <a:latin typeface="UD Digi Kyokasho NK-B" panose="02020700000000000000" pitchFamily="18" charset="-128"/>
-                <a:ea typeface="UD Digi Kyokasho NK-B" panose="02020700000000000000" pitchFamily="18" charset="-128"/>
-              </a:rPr>
-              <a:t>（</a:t>
-            </a:r>
-            <a:r>
-              <a:rPr lang="en-US" altLang="ja-JP" sz="1600" dirty="0">
-                <a:latin typeface="UD Digi Kyokasho NK-B" panose="02020700000000000000" pitchFamily="18" charset="-128"/>
-                <a:ea typeface="UD Digi Kyokasho NK-B" panose="02020700000000000000" pitchFamily="18" charset="-128"/>
-              </a:rPr>
-              <a:t>Infrastructure System Software</a:t>
-            </a:r>
-            <a:r>
-              <a:rPr lang="ja-JP" altLang="en-US" sz="1600">
-                <a:latin typeface="UD Digi Kyokasho NK-B" panose="02020700000000000000" pitchFamily="18" charset="-128"/>
-                <a:ea typeface="UD Digi Kyokasho NK-B" panose="02020700000000000000" pitchFamily="18" charset="-128"/>
-              </a:rPr>
-              <a:t>）</a:t>
-            </a:r>
-            <a:endParaRPr kumimoji="1" lang="ja-JP" altLang="en-US" sz="1600">
+              <a:t>System Software</a:t>
+            </a:r>
+            <a:endParaRPr lang="ja-JP" altLang="en-US">
               <a:latin typeface="UD Digi Kyokasho NK-B" panose="02020700000000000000" pitchFamily="18" charset="-128"/>
               <a:ea typeface="UD Digi Kyokasho NK-B" panose="02020700000000000000" pitchFamily="18" charset="-128"/>
             </a:endParaRPr>
@@ -11224,7 +11155,7 @@
                 <a:latin typeface="UD Digi Kyokasho NK-B" panose="02020700000000000000" pitchFamily="18" charset="-128"/>
                 <a:ea typeface="UD Digi Kyokasho NK-B" panose="02020700000000000000" pitchFamily="18" charset="-128"/>
               </a:rPr>
-              <a:t>Model Checking of RM</a:t>
+              <a:t>Model Checking of Ref. Monitor</a:t>
             </a:r>
           </a:p>
         </p:txBody>
@@ -13846,12 +13777,16 @@
             </a:fontRef>
           </p:style>
           <p:txBody>
-            <a:bodyPr wrap="none" lIns="0" tIns="72000" rIns="0" bIns="0" rtlCol="0" anchor="ctr" anchorCtr="0"/>
+            <a:bodyPr wrap="none" lIns="0" tIns="108000" rIns="0" bIns="0" rtlCol="0" anchor="ctr" anchorCtr="0"/>
             <a:lstStyle/>
             <a:p>
-              <a:pPr algn="ctr"/>
+              <a:pPr algn="ctr">
+                <a:lnSpc>
+                  <a:spcPts val="2400"/>
+                </a:lnSpc>
+              </a:pPr>
               <a:r>
-                <a:rPr kumimoji="1" lang="en-US" altLang="ja-JP" sz="2800" dirty="0">
+                <a:rPr kumimoji="1" lang="en-US" altLang="ja-JP" sz="2400" dirty="0">
                   <a:ln w="0"/>
                   <a:solidFill>
                     <a:schemeClr val="tx1"/>
@@ -13866,9 +13801,34 @@
                   <a:latin typeface="UD Digi Kyokasho NK-B" panose="02020700000000000000" pitchFamily="18" charset="-128"/>
                   <a:ea typeface="UD Digi Kyokasho NK-B" panose="02020700000000000000" pitchFamily="18" charset="-128"/>
                 </a:rPr>
-                <a:t>OS</a:t>
+                <a:t>FR</a:t>
               </a:r>
-              <a:endParaRPr kumimoji="1" lang="ja-JP" altLang="en-US" sz="2800">
+            </a:p>
+            <a:p>
+              <a:pPr algn="ctr">
+                <a:lnSpc>
+                  <a:spcPts val="2400"/>
+                </a:lnSpc>
+              </a:pPr>
+              <a:r>
+                <a:rPr lang="en-US" altLang="ja-JP" sz="2400" dirty="0">
+                  <a:ln w="0"/>
+                  <a:solidFill>
+                    <a:schemeClr val="tx1"/>
+                  </a:solidFill>
+                  <a:effectLst>
+                    <a:outerShdw blurRad="38100" dist="19050" dir="2700000" algn="tl" rotWithShape="0">
+                      <a:schemeClr val="dk1">
+                        <a:alpha val="40000"/>
+                      </a:schemeClr>
+                    </a:outerShdw>
+                  </a:effectLst>
+                  <a:latin typeface="UD Digi Kyokasho NK-B" panose="02020700000000000000" pitchFamily="18" charset="-128"/>
+                  <a:ea typeface="UD Digi Kyokasho NK-B" panose="02020700000000000000" pitchFamily="18" charset="-128"/>
+                </a:rPr>
+                <a:t>IE</a:t>
+              </a:r>
+              <a:endParaRPr kumimoji="1" lang="ja-JP" altLang="en-US" sz="2400">
                 <a:ln w="0"/>
                 <a:solidFill>
                   <a:schemeClr val="tx1"/>
@@ -13931,11 +13891,15 @@
             </a:fontRef>
           </p:style>
           <p:txBody>
-            <a:bodyPr lIns="0" tIns="72000" rIns="0" bIns="0" rtlCol="0" anchor="ctr" anchorCtr="0"/>
+            <a:bodyPr lIns="0" tIns="108000" rIns="0" bIns="0" rtlCol="0" anchor="ctr" anchorCtr="0"/>
             <a:lstStyle/>
             <a:p>
-              <a:pPr algn="ctr"/>
-              <a:endParaRPr kumimoji="1" lang="ja-JP" altLang="en-US" sz="4400">
+              <a:pPr algn="ctr">
+                <a:lnSpc>
+                  <a:spcPts val="2400"/>
+                </a:lnSpc>
+              </a:pPr>
+              <a:endParaRPr kumimoji="1" lang="ja-JP" altLang="en-US" sz="2400">
                 <a:ln w="0"/>
                 <a:solidFill>
                   <a:schemeClr val="tx1"/>
